--- a/docs/AIT614-DL2_Team3_Project Presentation-Indranil.pptx
+++ b/docs/AIT614-DL2_Team3_Project Presentation-Indranil.pptx
@@ -4936,6 +4936,65 @@
                   </a:schemeClr>
                 </a:solidFill>
               </a:rPr>
+              <a:t>It is possible with a high degree of accuracy and confidence to tag a question in </a:t>
+            </a:r>
+            <a:r>
+              <a:rPr lang="en-US" sz="2000" dirty="0" err="1">
+                <a:solidFill>
+                  <a:schemeClr val="accent1">
+                    <a:lumMod val="50000"/>
+                  </a:schemeClr>
+                </a:solidFill>
+              </a:rPr>
+              <a:t>quora</a:t>
+            </a:r>
+            <a:r>
+              <a:rPr lang="en-US" sz="2000" dirty="0">
+                <a:solidFill>
+                  <a:schemeClr val="accent1">
+                    <a:lumMod val="50000"/>
+                  </a:schemeClr>
+                </a:solidFill>
+              </a:rPr>
+              <a:t> as sincere or insincere </a:t>
+            </a:r>
+          </a:p>
+          <a:p>
+            <a:pPr marL="457200" indent="-457200" algn="l">
+              <a:buFont typeface="Arial" panose="020B0604020202020204" pitchFamily="34" charset="0"/>
+              <a:buChar char="•"/>
+            </a:pPr>
+            <a:endParaRPr lang="en-US" sz="2000" dirty="0">
+              <a:solidFill>
+                <a:schemeClr val="accent1">
+                  <a:lumMod val="50000"/>
+                </a:schemeClr>
+              </a:solidFill>
+            </a:endParaRPr>
+          </a:p>
+          <a:p>
+            <a:pPr algn="l"/>
+            <a:endParaRPr lang="en-US" sz="2000" dirty="0">
+              <a:solidFill>
+                <a:schemeClr val="accent1">
+                  <a:lumMod val="50000"/>
+                </a:schemeClr>
+              </a:solidFill>
+            </a:endParaRPr>
+          </a:p>
+          <a:p>
+            <a:pPr marL="457200" indent="-457200" algn="l">
+              <a:buFont typeface="Arial" panose="020B0604020202020204" pitchFamily="34" charset="0"/>
+              <a:buChar char="•"/>
+            </a:pPr>
+            <a:r>
+              <a:rPr lang="en-US" sz="2000" dirty="0">
+                <a:solidFill>
+                  <a:schemeClr val="accent1">
+                    <a:lumMod val="50000"/>
+                  </a:schemeClr>
+                </a:solidFill>
+              </a:rPr>
               <a:t>Had to change the direction of project from the initial plan a few times including technology and approach thus increasing the effort. In future, we would like to pay additional attention to feasibility of the proposed approach with special consideration of the free tier features. </a:t>
             </a:r>
           </a:p>
@@ -5120,6 +5179,42 @@
           </a:p>
         </p:txBody>
       </p:sp>
+      <p:pic>
+        <p:nvPicPr>
+          <p:cNvPr id="4" name="Picture 3" descr="Colleagues high-fiving">
+            <a:extLst>
+              <a:ext uri="{FF2B5EF4-FFF2-40B4-BE49-F238E27FC236}">
+                <a16:creationId xmlns:a16="http://schemas.microsoft.com/office/drawing/2014/main" id="{D9BF7AC0-6F3B-A680-3D40-E537D71C2B77}"/>
+              </a:ext>
+            </a:extLst>
+          </p:cNvPr>
+          <p:cNvPicPr>
+            <a:picLocks noChangeAspect="1"/>
+          </p:cNvPicPr>
+          <p:nvPr/>
+        </p:nvPicPr>
+        <p:blipFill>
+          <a:blip r:embed="rId2">
+            <a:extLst>
+              <a:ext uri="{28A0092B-C50C-407E-A947-70E740481C1C}">
+                <a14:useLocalDpi xmlns:a14="http://schemas.microsoft.com/office/drawing/2010/main" val="0"/>
+              </a:ext>
+            </a:extLst>
+          </a:blip>
+          <a:stretch>
+            <a:fillRect/>
+          </a:stretch>
+        </p:blipFill>
+        <p:spPr>
+          <a:xfrm>
+            <a:off x="1943100" y="1517866"/>
+            <a:ext cx="1666394" cy="1111033"/>
+          </a:xfrm>
+          <a:prstGeom prst="rect">
+            <a:avLst/>
+          </a:prstGeom>
+        </p:spPr>
+      </p:pic>
     </p:spTree>
     <p:extLst>
       <p:ext uri="{BB962C8B-B14F-4D97-AF65-F5344CB8AC3E}">
